--- a/09. Present/Bao cao luan van chinh thuc.pptx
+++ b/09. Present/Bao cao luan van chinh thuc.pptx
@@ -221,7 +221,7 @@
           <a:p>
             <a:fld id="{FEA85D58-BADB-4712-A736-5CFA6F15191A}" type="datetimeFigureOut">
               <a:rPr lang="en-US" smtClean="0"/>
-              <a:t>23-Jun-19</a:t>
+              <a:t>27-Jun-19</a:t>
             </a:fld>
             <a:endParaRPr lang="en-US"/>
           </a:p>
@@ -5632,7 +5632,7 @@
             <a:fld id="{8A3C973C-6B17-43C1-932B-2AB162DBB572}" type="datetime1">
               <a:rPr lang="en-US" smtClean="0"/>
               <a:pPr/>
-              <a:t>23-Jun-19</a:t>
+              <a:t>27-Jun-19</a:t>
             </a:fld>
             <a:endParaRPr lang="en-US"/>
           </a:p>
@@ -5819,7 +5819,7 @@
           <a:p>
             <a:fld id="{BC0B2FC8-8B35-40AE-BA6E-C698C340231C}" type="datetime1">
               <a:rPr lang="en-US" smtClean="0"/>
-              <a:t>23-Jun-19</a:t>
+              <a:t>27-Jun-19</a:t>
             </a:fld>
             <a:endParaRPr lang="en-US"/>
           </a:p>
@@ -6000,7 +6000,7 @@
           <a:p>
             <a:fld id="{EA8E7B4D-9777-4D00-9E72-0957423AB8D0}" type="datetime1">
               <a:rPr lang="en-US" smtClean="0"/>
-              <a:t>23-Jun-19</a:t>
+              <a:t>27-Jun-19</a:t>
             </a:fld>
             <a:endParaRPr lang="en-US"/>
           </a:p>
@@ -6171,7 +6171,7 @@
           <a:p>
             <a:fld id="{F19EB671-DECB-4900-BC47-5C1257A9D5C0}" type="datetime1">
               <a:rPr lang="en-US" smtClean="0"/>
-              <a:t>23-Jun-19</a:t>
+              <a:t>27-Jun-19</a:t>
             </a:fld>
             <a:endParaRPr lang="en-US"/>
           </a:p>
@@ -6419,7 +6419,7 @@
           <a:p>
             <a:fld id="{AB030577-C345-4B15-8996-18F0B0FBA3BC}" type="datetime1">
               <a:rPr lang="en-US" smtClean="0"/>
-              <a:t>23-Jun-19</a:t>
+              <a:t>27-Jun-19</a:t>
             </a:fld>
             <a:endParaRPr lang="en-US"/>
           </a:p>
@@ -6651,7 +6651,7 @@
           <a:p>
             <a:fld id="{07CEAD01-AB7B-4A8B-95EB-72FF4014E1B2}" type="datetime1">
               <a:rPr lang="en-US" smtClean="0"/>
-              <a:t>23-Jun-19</a:t>
+              <a:t>27-Jun-19</a:t>
             </a:fld>
             <a:endParaRPr lang="en-US"/>
           </a:p>
@@ -7018,7 +7018,7 @@
           <a:p>
             <a:fld id="{D266CD76-7F3C-4757-BF40-12D49E443B6C}" type="datetime1">
               <a:rPr lang="en-US" smtClean="0"/>
-              <a:t>23-Jun-19</a:t>
+              <a:t>27-Jun-19</a:t>
             </a:fld>
             <a:endParaRPr lang="en-US"/>
           </a:p>
@@ -7138,7 +7138,7 @@
           <a:p>
             <a:fld id="{2B682D33-0A3A-4AE6-B326-BFE03BE678EF}" type="datetime1">
               <a:rPr lang="en-US" smtClean="0"/>
-              <a:t>23-Jun-19</a:t>
+              <a:t>27-Jun-19</a:t>
             </a:fld>
             <a:endParaRPr lang="en-US"/>
           </a:p>
@@ -7236,7 +7236,7 @@
           <a:p>
             <a:fld id="{EB68B3AF-37E2-4197-9264-E0F8212C68F3}" type="datetime1">
               <a:rPr lang="en-US" smtClean="0"/>
-              <a:t>23-Jun-19</a:t>
+              <a:t>27-Jun-19</a:t>
             </a:fld>
             <a:endParaRPr lang="en-US"/>
           </a:p>
@@ -7514,7 +7514,7 @@
           <a:p>
             <a:fld id="{F28F6C03-1874-4CD4-AEE4-3A1D0BB0FC79}" type="datetime1">
               <a:rPr lang="en-US" smtClean="0"/>
-              <a:t>23-Jun-19</a:t>
+              <a:t>27-Jun-19</a:t>
             </a:fld>
             <a:endParaRPr lang="en-US"/>
           </a:p>
@@ -7769,7 +7769,7 @@
           <a:p>
             <a:fld id="{AD21B33F-F290-48E7-B993-76AE2FD211CF}" type="datetime1">
               <a:rPr lang="en-US" smtClean="0"/>
-              <a:t>23-Jun-19</a:t>
+              <a:t>27-Jun-19</a:t>
             </a:fld>
             <a:endParaRPr lang="en-US"/>
           </a:p>
@@ -7983,7 +7983,7 @@
           <a:p>
             <a:fld id="{61D54B42-01BA-4F82-95A6-21E88E053443}" type="datetime1">
               <a:rPr lang="en-US" smtClean="0"/>
-              <a:t>23-Jun-19</a:t>
+              <a:t>27-Jun-19</a:t>
             </a:fld>
             <a:endParaRPr lang="en-US"/>
           </a:p>
@@ -9124,7 +9124,7 @@
                 <a:latin typeface="Arial" panose="020B0604020202020204" pitchFamily="34" charset="0"/>
                 <a:cs typeface="Arial" panose="020B0604020202020204" pitchFamily="34" charset="0"/>
               </a:rPr>
-              <a:t>23-Jun-19</a:t>
+              <a:t>27-Jun-19</a:t>
             </a:fld>
             <a:endParaRPr lang="en-US" sz="1100" dirty="0">
               <a:latin typeface="Arial" panose="020B0604020202020204" pitchFamily="34" charset="0"/>
@@ -10680,7 +10680,7 @@
                 <a:latin typeface="Arial" panose="020B0604020202020204" pitchFamily="34" charset="0"/>
                 <a:cs typeface="Arial" panose="020B0604020202020204" pitchFamily="34" charset="0"/>
               </a:rPr>
-              <a:t>23-Jun-19</a:t>
+              <a:t>27-Jun-19</a:t>
             </a:fld>
             <a:endParaRPr lang="en-US" sz="1100" dirty="0">
               <a:latin typeface="Arial" panose="020B0604020202020204" pitchFamily="34" charset="0"/>
@@ -12169,7 +12169,7 @@
                 <a:latin typeface="Arial" panose="020B0604020202020204" pitchFamily="34" charset="0"/>
                 <a:cs typeface="Arial" panose="020B0604020202020204" pitchFamily="34" charset="0"/>
               </a:rPr>
-              <a:t>23-Jun-19</a:t>
+              <a:t>27-Jun-19</a:t>
             </a:fld>
             <a:endParaRPr lang="en-US" sz="1100" dirty="0">
               <a:latin typeface="Arial" panose="020B0604020202020204" pitchFamily="34" charset="0"/>
@@ -12952,7 +12952,7 @@
                 <a:latin typeface="Arial" panose="020B0604020202020204" pitchFamily="34" charset="0"/>
                 <a:cs typeface="Arial" panose="020B0604020202020204" pitchFamily="34" charset="0"/>
               </a:rPr>
-              <a:t>23-Jun-19</a:t>
+              <a:t>27-Jun-19</a:t>
             </a:fld>
             <a:endParaRPr lang="en-US" sz="1100" dirty="0">
               <a:latin typeface="Arial" panose="020B0604020202020204" pitchFamily="34" charset="0"/>
@@ -13353,7 +13353,7 @@
                 <a:latin typeface="Arial" panose="020B0604020202020204" pitchFamily="34" charset="0"/>
                 <a:cs typeface="Arial" panose="020B0604020202020204" pitchFamily="34" charset="0"/>
               </a:rPr>
-              <a:t>23-Jun-19</a:t>
+              <a:t>27-Jun-19</a:t>
             </a:fld>
             <a:endParaRPr lang="en-US" sz="1100" dirty="0">
               <a:latin typeface="Arial" panose="020B0604020202020204" pitchFamily="34" charset="0"/>
@@ -13682,8 +13682,8 @@
           </a:p>
         </p:txBody>
       </p:sp>
-      <mc:AlternateContent xmlns:mc="http://schemas.openxmlformats.org/markup-compatibility/2006">
-        <mc:Choice xmlns:a14="http://schemas.microsoft.com/office/drawing/2010/main" Requires="a14">
+      <mc:AlternateContent xmlns:mc="http://schemas.openxmlformats.org/markup-compatibility/2006" xmlns:a14="http://schemas.microsoft.com/office/drawing/2010/main">
+        <mc:Choice Requires="a14">
           <p:sp>
             <p:nvSpPr>
               <p:cNvPr id="13" name="TextBox 12">
@@ -13721,6 +13721,7 @@
                 </a:lvl1pPr>
               </a:lstStyle>
               <a:p>
+                <a:pPr/>
                 <a14:m>
                   <m:oMathPara xmlns:m="http://schemas.openxmlformats.org/officeDocument/2006/math">
                     <m:oMathParaPr>
@@ -13730,7 +13731,9 @@
                       <m:sSub>
                         <m:sSubPr>
                           <m:ctrlPr>
-                            <a:rPr lang="en-US" sz="4000"/>
+                            <a:rPr lang="en-US" sz="4000" i="1">
+                              <a:latin typeface="Cambria Math" panose="02040503050406030204" pitchFamily="18" charset="0"/>
+                            </a:rPr>
                           </m:ctrlPr>
                         </m:sSubPr>
                         <m:e>
@@ -13738,13 +13741,17 @@
                             <m:rPr>
                               <m:sty m:val="p"/>
                             </m:rPr>
-                            <a:rPr lang="en-US" sz="4000" i="0"/>
+                            <a:rPr lang="en-US" sz="4000" i="0">
+                              <a:latin typeface="Cambria Math" panose="02040503050406030204" pitchFamily="18" charset="0"/>
+                            </a:rPr>
                             <m:t>H</m:t>
                           </m:r>
                         </m:e>
                         <m:sub>
                           <m:r>
-                            <a:rPr lang="en-US" sz="4000" i="0"/>
+                            <a:rPr lang="en-US" sz="4000" i="0">
+                              <a:latin typeface="Cambria Math" panose="02040503050406030204" pitchFamily="18" charset="0"/>
+                            </a:rPr>
                             <m:t>2</m:t>
                           </m:r>
                         </m:sub>
@@ -13753,7 +13760,9 @@
                         <m:rPr>
                           <m:sty m:val="p"/>
                         </m:rPr>
-                        <a:rPr lang="en-US" sz="4000" i="0"/>
+                        <a:rPr lang="en-US" sz="4000" i="0">
+                          <a:latin typeface="Cambria Math" panose="02040503050406030204" pitchFamily="18" charset="0"/>
+                        </a:rPr>
                         <m:t>S</m:t>
                       </m:r>
                     </m:oMath>
@@ -13764,7 +13773,7 @@
             </p:txBody>
           </p:sp>
         </mc:Choice>
-        <mc:Fallback>
+        <mc:Fallback xmlns="">
           <p:sp>
             <p:nvSpPr>
               <p:cNvPr id="13" name="TextBox 12">
@@ -14408,7 +14417,7 @@
                 <a:latin typeface="Arial" panose="020B0604020202020204" pitchFamily="34" charset="0"/>
                 <a:cs typeface="Arial" panose="020B0604020202020204" pitchFamily="34" charset="0"/>
               </a:rPr>
-              <a:t>23-Jun-19</a:t>
+              <a:t>27-Jun-19</a:t>
             </a:fld>
             <a:endParaRPr lang="en-US" sz="1100" dirty="0">
               <a:latin typeface="Arial" panose="020B0604020202020204" pitchFamily="34" charset="0"/>
@@ -16233,7 +16242,7 @@
                 <a:latin typeface="Arial" panose="020B0604020202020204" pitchFamily="34" charset="0"/>
                 <a:cs typeface="Arial" panose="020B0604020202020204" pitchFamily="34" charset="0"/>
               </a:rPr>
-              <a:t>23-Jun-19</a:t>
+              <a:t>27-Jun-19</a:t>
             </a:fld>
             <a:endParaRPr lang="en-US" sz="1100" dirty="0">
               <a:latin typeface="Arial" panose="020B0604020202020204" pitchFamily="34" charset="0"/>
@@ -16650,7 +16659,7 @@
                 <a:latin typeface="Arial" panose="020B0604020202020204" pitchFamily="34" charset="0"/>
                 <a:cs typeface="Arial" panose="020B0604020202020204" pitchFamily="34" charset="0"/>
               </a:rPr>
-              <a:t>23-Jun-19</a:t>
+              <a:t>27-Jun-19</a:t>
             </a:fld>
             <a:endParaRPr lang="en-US" sz="1100" dirty="0">
               <a:latin typeface="Arial" panose="020B0604020202020204" pitchFamily="34" charset="0"/>
@@ -17051,7 +17060,7 @@
                 <a:latin typeface="Arial" panose="020B0604020202020204" pitchFamily="34" charset="0"/>
                 <a:cs typeface="Arial" panose="020B0604020202020204" pitchFamily="34" charset="0"/>
               </a:rPr>
-              <a:t>23-Jun-19</a:t>
+              <a:t>27-Jun-19</a:t>
             </a:fld>
             <a:endParaRPr lang="en-US" sz="1100" dirty="0">
               <a:latin typeface="Arial" panose="020B0604020202020204" pitchFamily="34" charset="0"/>
@@ -17600,7 +17609,7 @@
                 <a:latin typeface="Arial" panose="020B0604020202020204" pitchFamily="34" charset="0"/>
                 <a:cs typeface="Arial" panose="020B0604020202020204" pitchFamily="34" charset="0"/>
               </a:rPr>
-              <a:t>23-Jun-19</a:t>
+              <a:t>27-Jun-19</a:t>
             </a:fld>
             <a:endParaRPr lang="en-US" sz="1100" dirty="0">
               <a:latin typeface="Arial" panose="020B0604020202020204" pitchFamily="34" charset="0"/>
@@ -18035,7 +18044,7 @@
                 <a:latin typeface="Arial" panose="020B0604020202020204" pitchFamily="34" charset="0"/>
                 <a:cs typeface="Arial" panose="020B0604020202020204" pitchFamily="34" charset="0"/>
               </a:rPr>
-              <a:t>23-Jun-19</a:t>
+              <a:t>27-Jun-19</a:t>
             </a:fld>
             <a:endParaRPr lang="en-US" sz="1100" dirty="0">
               <a:latin typeface="Arial" panose="020B0604020202020204" pitchFamily="34" charset="0"/>
@@ -18389,7 +18398,7 @@
                 <a:latin typeface="Arial" panose="020B0604020202020204" pitchFamily="34" charset="0"/>
                 <a:cs typeface="Arial" panose="020B0604020202020204" pitchFamily="34" charset="0"/>
               </a:rPr>
-              <a:t>23-Jun-19</a:t>
+              <a:t>27-Jun-19</a:t>
             </a:fld>
             <a:endParaRPr lang="en-US" sz="1100" dirty="0">
               <a:latin typeface="Arial" panose="020B0604020202020204" pitchFamily="34" charset="0"/>
@@ -18790,7 +18799,7 @@
                 <a:latin typeface="Arial" panose="020B0604020202020204" pitchFamily="34" charset="0"/>
                 <a:cs typeface="Arial" panose="020B0604020202020204" pitchFamily="34" charset="0"/>
               </a:rPr>
-              <a:t>23-Jun-19</a:t>
+              <a:t>27-Jun-19</a:t>
             </a:fld>
             <a:endParaRPr lang="en-US" sz="1100" dirty="0">
               <a:latin typeface="Arial" panose="020B0604020202020204" pitchFamily="34" charset="0"/>
@@ -19229,7 +19238,7 @@
                 <a:latin typeface="Arial" panose="020B0604020202020204" pitchFamily="34" charset="0"/>
                 <a:cs typeface="Arial" panose="020B0604020202020204" pitchFamily="34" charset="0"/>
               </a:rPr>
-              <a:t>23-Jun-19</a:t>
+              <a:t>27-Jun-19</a:t>
             </a:fld>
             <a:endParaRPr lang="en-US" sz="1100" dirty="0">
               <a:latin typeface="Arial" panose="020B0604020202020204" pitchFamily="34" charset="0"/>
@@ -19630,7 +19639,7 @@
                 <a:latin typeface="Arial" panose="020B0604020202020204" pitchFamily="34" charset="0"/>
                 <a:cs typeface="Arial" panose="020B0604020202020204" pitchFamily="34" charset="0"/>
               </a:rPr>
-              <a:t>23-Jun-19</a:t>
+              <a:t>27-Jun-19</a:t>
             </a:fld>
             <a:endParaRPr lang="en-US" sz="1100" dirty="0">
               <a:latin typeface="Arial" panose="020B0604020202020204" pitchFamily="34" charset="0"/>
@@ -20096,7 +20105,7 @@
           <a:p>
             <a:fld id="{22C5B811-03D1-4928-A536-0CC24EE62B10}" type="datetime1">
               <a:rPr lang="en-US" smtClean="0"/>
-              <a:t>23-Jun-19</a:t>
+              <a:t>27-Jun-19</a:t>
             </a:fld>
             <a:endParaRPr lang="en-US"/>
           </a:p>
@@ -20172,7 +20181,7 @@
             <a:r>
               <a:rPr lang="en-US" sz="5400" dirty="0">
                 <a:solidFill>
-                  <a:srgbClr val="FF0000"/>
+                  <a:srgbClr val="0070C0"/>
                 </a:solidFill>
                 <a:latin typeface="Arial" panose="020B0604020202020204" pitchFamily="34" charset="0"/>
                 <a:cs typeface="Arial" panose="020B0604020202020204" pitchFamily="34" charset="0"/>
@@ -20192,8 +20201,8 @@
         </p:nvSpPr>
         <p:spPr>
           <a:xfrm>
-            <a:off x="3238787" y="2738469"/>
-            <a:ext cx="5729099" cy="1005166"/>
+            <a:off x="1941127" y="2603199"/>
+            <a:ext cx="8309746" cy="1005166"/>
           </a:xfrm>
           <a:prstGeom prst="rect">
             <a:avLst/>
@@ -20226,7 +20235,7 @@
                 <a:ea typeface="Tahoma" panose="020B0604030504040204" pitchFamily="34" charset="0"/>
                 <a:cs typeface="Tahoma" panose="020B0604030504040204" pitchFamily="34" charset="0"/>
               </a:rPr>
-              <a:t>ĐIỀU KHIỂN – GIÁM SÁT BỒN N</a:t>
+              <a:t>HỆ THỐNG QUAN TRẮC MÔI TR</a:t>
             </a:r>
             <a:r>
               <a:rPr lang="vi-VN" sz="2400" dirty="0">
@@ -20242,7 +20251,23 @@
                 <a:ea typeface="Tahoma" panose="020B0604030504040204" pitchFamily="34" charset="0"/>
                 <a:cs typeface="Tahoma" panose="020B0604030504040204" pitchFamily="34" charset="0"/>
               </a:rPr>
-              <a:t>ỚC</a:t>
+              <a:t>ỜNG N</a:t>
+            </a:r>
+            <a:r>
+              <a:rPr lang="vi-VN" sz="2400" dirty="0">
+                <a:latin typeface="Tahoma" panose="020B0604030504040204" pitchFamily="34" charset="0"/>
+                <a:ea typeface="Tahoma" panose="020B0604030504040204" pitchFamily="34" charset="0"/>
+                <a:cs typeface="Tahoma" panose="020B0604030504040204" pitchFamily="34" charset="0"/>
+              </a:rPr>
+              <a:t>Ư</a:t>
+            </a:r>
+            <a:r>
+              <a:rPr lang="en-US" sz="2400" dirty="0">
+                <a:latin typeface="Tahoma" panose="020B0604030504040204" pitchFamily="34" charset="0"/>
+                <a:ea typeface="Tahoma" panose="020B0604030504040204" pitchFamily="34" charset="0"/>
+                <a:cs typeface="Tahoma" panose="020B0604030504040204" pitchFamily="34" charset="0"/>
+              </a:rPr>
+              <a:t>ỚC NUÔI TÔM</a:t>
             </a:r>
           </a:p>
         </p:txBody>
@@ -20468,68 +20493,6 @@
           </a:fontRef>
         </p:style>
       </p:cxnSp>
-      <p:sp>
-        <p:nvSpPr>
-          <p:cNvPr id="27" name="Rectangle 26"/>
-          <p:cNvSpPr/>
-          <p:nvPr/>
-        </p:nvSpPr>
-        <p:spPr>
-          <a:xfrm>
-            <a:off x="2224670" y="333048"/>
-            <a:ext cx="9983372" cy="369332"/>
-          </a:xfrm>
-          <a:prstGeom prst="rect">
-            <a:avLst/>
-          </a:prstGeom>
-        </p:spPr>
-        <p:txBody>
-          <a:bodyPr wrap="square">
-            <a:spAutoFit/>
-          </a:bodyPr>
-          <a:lstStyle/>
-          <a:p>
-            <a:pPr algn="ctr">
-              <a:lnSpc>
-                <a:spcPct val="100000"/>
-              </a:lnSpc>
-            </a:pPr>
-            <a:r>
-              <a:rPr lang="en-US" b="1" dirty="0">
-                <a:solidFill>
-                  <a:srgbClr val="0070C0"/>
-                </a:solidFill>
-                <a:latin typeface="Verdana" panose="020B0604030504040204" pitchFamily="34" charset="0"/>
-                <a:ea typeface="Verdana" panose="020B0604030504040204" pitchFamily="34" charset="0"/>
-                <a:cs typeface="Verdana" panose="020B0604030504040204" pitchFamily="34" charset="0"/>
-              </a:rPr>
-              <a:t>ĐIỀU KHIỂN VÀ GIÁM SÁT BỒN N</a:t>
-            </a:r>
-            <a:r>
-              <a:rPr lang="vi-VN" b="1" dirty="0">
-                <a:solidFill>
-                  <a:srgbClr val="0070C0"/>
-                </a:solidFill>
-                <a:latin typeface="Verdana" panose="020B0604030504040204" pitchFamily="34" charset="0"/>
-                <a:ea typeface="Verdana" panose="020B0604030504040204" pitchFamily="34" charset="0"/>
-                <a:cs typeface="Verdana" panose="020B0604030504040204" pitchFamily="34" charset="0"/>
-              </a:rPr>
-              <a:t>Ư</a:t>
-            </a:r>
-            <a:r>
-              <a:rPr lang="en-US" b="1" dirty="0">
-                <a:solidFill>
-                  <a:srgbClr val="0070C0"/>
-                </a:solidFill>
-                <a:latin typeface="Verdana" panose="020B0604030504040204" pitchFamily="34" charset="0"/>
-                <a:ea typeface="Verdana" panose="020B0604030504040204" pitchFamily="34" charset="0"/>
-                <a:cs typeface="Verdana" panose="020B0604030504040204" pitchFamily="34" charset="0"/>
-              </a:rPr>
-              <a:t>ỚC ĐÔI QUA WEBSERVER S7-1200</a:t>
-            </a:r>
-          </a:p>
-        </p:txBody>
-      </p:sp>
       <p:sp>
         <p:nvSpPr>
           <p:cNvPr id="28" name="Rectangle 27"/>
@@ -20756,7 +20719,7 @@
           <a:p>
             <a:fld id="{22C5B811-03D1-4928-A536-0CC24EE62B10}" type="datetime1">
               <a:rPr lang="en-US" smtClean="0"/>
-              <a:t>23-Jun-19</a:t>
+              <a:t>27-Jun-19</a:t>
             </a:fld>
             <a:endParaRPr lang="en-US"/>
           </a:p>
@@ -21299,7 +21262,7 @@
                 <a:latin typeface="Arial" panose="020B0604020202020204" pitchFamily="34" charset="0"/>
                 <a:cs typeface="Arial" panose="020B0604020202020204" pitchFamily="34" charset="0"/>
               </a:rPr>
-              <a:t>23-Jun-19</a:t>
+              <a:t>27-Jun-19</a:t>
             </a:fld>
             <a:endParaRPr lang="en-US" sz="1100" dirty="0">
               <a:latin typeface="Arial" panose="020B0604020202020204" pitchFamily="34" charset="0"/>
@@ -21730,7 +21693,7 @@
                 <a:latin typeface="Arial" panose="020B0604020202020204" pitchFamily="34" charset="0"/>
                 <a:cs typeface="Arial" panose="020B0604020202020204" pitchFamily="34" charset="0"/>
               </a:rPr>
-              <a:t>23-Jun-19</a:t>
+              <a:t>27-Jun-19</a:t>
             </a:fld>
             <a:endParaRPr lang="en-US" sz="1100" dirty="0">
               <a:latin typeface="Arial" panose="020B0604020202020204" pitchFamily="34" charset="0"/>
@@ -22281,7 +22244,7 @@
                 <a:latin typeface="Arial" panose="020B0604020202020204" pitchFamily="34" charset="0"/>
                 <a:cs typeface="Arial" panose="020B0604020202020204" pitchFamily="34" charset="0"/>
               </a:rPr>
-              <a:t>23-Jun-19</a:t>
+              <a:t>27-Jun-19</a:t>
             </a:fld>
             <a:endParaRPr lang="en-US" sz="1100" dirty="0">
               <a:latin typeface="Arial" panose="020B0604020202020204" pitchFamily="34" charset="0"/>
@@ -22996,7 +22959,7 @@
                 <a:latin typeface="Arial" panose="020B0604020202020204" pitchFamily="34" charset="0"/>
                 <a:cs typeface="Arial" panose="020B0604020202020204" pitchFamily="34" charset="0"/>
               </a:rPr>
-              <a:t>23-Jun-19</a:t>
+              <a:t>27-Jun-19</a:t>
             </a:fld>
             <a:endParaRPr lang="en-US" sz="1100" dirty="0">
               <a:latin typeface="Arial" panose="020B0604020202020204" pitchFamily="34" charset="0"/>
@@ -23612,7 +23575,7 @@
                 <a:latin typeface="Arial" panose="020B0604020202020204" pitchFamily="34" charset="0"/>
                 <a:cs typeface="Arial" panose="020B0604020202020204" pitchFamily="34" charset="0"/>
               </a:rPr>
-              <a:t>23-Jun-19</a:t>
+              <a:t>27-Jun-19</a:t>
             </a:fld>
             <a:endParaRPr lang="en-US" sz="1100" dirty="0">
               <a:latin typeface="Arial" panose="020B0604020202020204" pitchFamily="34" charset="0"/>
@@ -24228,7 +24191,7 @@
                 <a:latin typeface="Arial" panose="020B0604020202020204" pitchFamily="34" charset="0"/>
                 <a:cs typeface="Arial" panose="020B0604020202020204" pitchFamily="34" charset="0"/>
               </a:rPr>
-              <a:t>23-Jun-19</a:t>
+              <a:t>27-Jun-19</a:t>
             </a:fld>
             <a:endParaRPr lang="en-US" sz="1100" dirty="0">
               <a:latin typeface="Arial" panose="020B0604020202020204" pitchFamily="34" charset="0"/>
@@ -24629,7 +24592,7 @@
                 <a:latin typeface="Arial" panose="020B0604020202020204" pitchFamily="34" charset="0"/>
                 <a:cs typeface="Arial" panose="020B0604020202020204" pitchFamily="34" charset="0"/>
               </a:rPr>
-              <a:t>23-Jun-19</a:t>
+              <a:t>27-Jun-19</a:t>
             </a:fld>
             <a:endParaRPr lang="en-US" sz="1100" dirty="0">
               <a:latin typeface="Arial" panose="020B0604020202020204" pitchFamily="34" charset="0"/>
